--- a/entrega/Trabalho Android – Aplicativo Minha Muamba.pptx
+++ b/entrega/Trabalho Android – Aplicativo Minha Muamba.pptx
@@ -3248,18 +3248,39 @@
             <p:ph type="ctrTitle"/>
           </p:nvPr>
         </p:nvSpPr>
-        <p:spPr/>
+        <p:spPr>
+          <a:xfrm>
+            <a:off x="500034" y="857232"/>
+            <a:ext cx="7958166" cy="2743219"/>
+          </a:xfrm>
+        </p:spPr>
         <p:txBody>
           <a:bodyPr/>
           <a:lstStyle/>
           <a:p>
             <a:r>
               <a:rPr lang="en-US" dirty="0" err="1" smtClean="0"/>
-              <a:t>Trabalho</a:t>
-            </a:r>
-            <a:r>
-              <a:rPr lang="en-US" dirty="0" smtClean="0"/>
-              <a:t> Android – </a:t>
+              <a:t>Desenvolvimento</a:t>
+            </a:r>
+            <a:r>
+              <a:rPr lang="en-US" dirty="0" smtClean="0"/>
+              <a:t> de </a:t>
+            </a:r>
+            <a:r>
+              <a:rPr lang="en-US" dirty="0" err="1" smtClean="0"/>
+              <a:t>Aplicativos</a:t>
+            </a:r>
+            <a:r>
+              <a:rPr lang="en-US" dirty="0" smtClean="0"/>
+              <a:t> </a:t>
+            </a:r>
+            <a:r>
+              <a:rPr lang="en-US" dirty="0" err="1" smtClean="0"/>
+              <a:t>Móveis</a:t>
+            </a:r>
+            <a:r>
+              <a:rPr lang="en-US" dirty="0" smtClean="0"/>
+              <a:t> – </a:t>
             </a:r>
             <a:r>
               <a:rPr lang="en-US" dirty="0" err="1" smtClean="0"/>
@@ -3303,7 +3324,15 @@
             <a:pPr algn="l"/>
             <a:r>
               <a:rPr lang="en-US" dirty="0" smtClean="0"/>
-              <a:t>Professor: Arthur Mol</a:t>
+              <a:t>Professor: </a:t>
+            </a:r>
+            <a:r>
+              <a:rPr lang="en-US" dirty="0" err="1" smtClean="0"/>
+              <a:t>Artur</a:t>
+            </a:r>
+            <a:r>
+              <a:rPr lang="en-US" dirty="0" smtClean="0"/>
+              <a:t> Mol</a:t>
             </a:r>
           </a:p>
           <a:p>
@@ -4988,11 +5017,15 @@
             </a:r>
             <a:r>
               <a:rPr lang="en-US" dirty="0" smtClean="0"/>
-              <a:t> </a:t>
+              <a:t> dos </a:t>
+            </a:r>
+            <a:r>
+              <a:rPr lang="en-US" dirty="0" err="1" smtClean="0"/>
+              <a:t>itens</a:t>
             </a:r>
             <a:r>
               <a:rPr lang="en-US" smtClean="0"/>
-              <a:t>dos i;</a:t>
+              <a:t>;</a:t>
             </a:r>
             <a:endParaRPr lang="pt-BR" dirty="0"/>
           </a:p>
